--- a/LabSession6_v2/LabSession6 - Additonal Setup.pptx
+++ b/LabSession6_v2/LabSession6 - Additonal Setup.pptx
@@ -223,7 +223,7 @@
           <a:p>
             <a:fld id="{2CC5598C-FF10-4AF1-BC63-A7C8964CD468}" type="datetimeFigureOut">
               <a:rPr lang="en-US" smtClean="0"/>
-              <a:t>11/28/22</a:t>
+              <a:t>9/17/2024</a:t>
             </a:fld>
             <a:endParaRPr lang="en-US"/>
           </a:p>
@@ -382,7 +382,7 @@
           <a:p>
             <a:fld id="{579EA76A-0A3F-4C6E-BCAD-3645DACBB6C6}" type="slidenum">
               <a:rPr lang="en-US" smtClean="0"/>
-              <a:t>‹#›</a:t>
+              <a:t>‹N›</a:t>
             </a:fld>
             <a:endParaRPr lang="en-US"/>
           </a:p>
@@ -839,7 +839,7 @@
           <a:p>
             <a:fld id="{21D15A9C-11B4-4C77-BDEA-04E3D7D1DFC0}" type="slidenum">
               <a:rPr lang="en-US" smtClean="0"/>
-              <a:t>‹#›</a:t>
+              <a:t>‹N›</a:t>
             </a:fld>
             <a:endParaRPr lang="en-US"/>
           </a:p>
@@ -1016,7 +1016,7 @@
           <a:p>
             <a:fld id="{21D15A9C-11B4-4C77-BDEA-04E3D7D1DFC0}" type="slidenum">
               <a:rPr lang="en-US" smtClean="0"/>
-              <a:t>‹#›</a:t>
+              <a:t>‹N›</a:t>
             </a:fld>
             <a:endParaRPr lang="en-US"/>
           </a:p>
@@ -1203,7 +1203,7 @@
           <a:p>
             <a:fld id="{21D15A9C-11B4-4C77-BDEA-04E3D7D1DFC0}" type="slidenum">
               <a:rPr lang="en-US" smtClean="0"/>
-              <a:t>‹#›</a:t>
+              <a:t>‹N›</a:t>
             </a:fld>
             <a:endParaRPr lang="en-US"/>
           </a:p>
@@ -1601,7 +1601,7 @@
           <a:p>
             <a:fld id="{B6BBDCE0-C0AA-484E-A956-04C10F83074F}" type="slidenum">
               <a:rPr lang="en-US" smtClean="0"/>
-              <a:t>‹#›</a:t>
+              <a:t>‹N›</a:t>
             </a:fld>
             <a:endParaRPr lang="en-US"/>
           </a:p>
@@ -1876,7 +1876,7 @@
           <a:p>
             <a:fld id="{B6BBDCE0-C0AA-484E-A956-04C10F83074F}" type="slidenum">
               <a:rPr lang="en-US" smtClean="0"/>
-              <a:t>‹#›</a:t>
+              <a:t>‹N›</a:t>
             </a:fld>
             <a:endParaRPr lang="en-US"/>
           </a:p>
@@ -2145,7 +2145,7 @@
           <a:p>
             <a:fld id="{B6BBDCE0-C0AA-484E-A956-04C10F83074F}" type="slidenum">
               <a:rPr lang="en-US" smtClean="0"/>
-              <a:t>‹#›</a:t>
+              <a:t>‹N›</a:t>
             </a:fld>
             <a:endParaRPr lang="en-US"/>
           </a:p>
@@ -2550,7 +2550,7 @@
           <a:p>
             <a:fld id="{B6BBDCE0-C0AA-484E-A956-04C10F83074F}" type="slidenum">
               <a:rPr lang="en-US" smtClean="0"/>
-              <a:t>‹#›</a:t>
+              <a:t>‹N›</a:t>
             </a:fld>
             <a:endParaRPr lang="en-US"/>
           </a:p>
@@ -2699,7 +2699,7 @@
           <a:p>
             <a:fld id="{B6BBDCE0-C0AA-484E-A956-04C10F83074F}" type="slidenum">
               <a:rPr lang="en-US" smtClean="0"/>
-              <a:t>‹#›</a:t>
+              <a:t>‹N›</a:t>
             </a:fld>
             <a:endParaRPr lang="en-US"/>
           </a:p>
@@ -2817,7 +2817,7 @@
           <a:p>
             <a:fld id="{B6BBDCE0-C0AA-484E-A956-04C10F83074F}" type="slidenum">
               <a:rPr lang="en-US" smtClean="0"/>
-              <a:t>‹#›</a:t>
+              <a:t>‹N›</a:t>
             </a:fld>
             <a:endParaRPr lang="en-US"/>
           </a:p>
@@ -3126,7 +3126,7 @@
           <a:p>
             <a:fld id="{B6BBDCE0-C0AA-484E-A956-04C10F83074F}" type="slidenum">
               <a:rPr lang="en-US" smtClean="0"/>
-              <a:t>‹#›</a:t>
+              <a:t>‹N›</a:t>
             </a:fld>
             <a:endParaRPr lang="en-US"/>
           </a:p>
@@ -3281,7 +3281,7 @@
           <a:p>
             <a:fld id="{21D15A9C-11B4-4C77-BDEA-04E3D7D1DFC0}" type="slidenum">
               <a:rPr lang="en-US" smtClean="0"/>
-              <a:t>‹#›</a:t>
+              <a:t>‹N›</a:t>
             </a:fld>
             <a:endParaRPr lang="en-US"/>
           </a:p>
@@ -3566,7 +3566,7 @@
           <a:p>
             <a:fld id="{B6BBDCE0-C0AA-484E-A956-04C10F83074F}" type="slidenum">
               <a:rPr lang="en-US" smtClean="0"/>
-              <a:t>‹#›</a:t>
+              <a:t>‹N›</a:t>
             </a:fld>
             <a:endParaRPr lang="en-US"/>
           </a:p>
@@ -3775,7 +3775,7 @@
           <a:p>
             <a:fld id="{B6BBDCE0-C0AA-484E-A956-04C10F83074F}" type="slidenum">
               <a:rPr lang="en-US" smtClean="0"/>
-              <a:t>‹#›</a:t>
+              <a:t>‹N›</a:t>
             </a:fld>
             <a:endParaRPr lang="en-US"/>
           </a:p>
@@ -3984,7 +3984,7 @@
           <a:p>
             <a:fld id="{B6BBDCE0-C0AA-484E-A956-04C10F83074F}" type="slidenum">
               <a:rPr lang="en-US" smtClean="0"/>
-              <a:t>‹#›</a:t>
+              <a:t>‹N›</a:t>
             </a:fld>
             <a:endParaRPr lang="en-US"/>
           </a:p>
@@ -4235,7 +4235,7 @@
           <a:p>
             <a:fld id="{21D15A9C-11B4-4C77-BDEA-04E3D7D1DFC0}" type="slidenum">
               <a:rPr lang="en-US" smtClean="0"/>
-              <a:t>‹#›</a:t>
+              <a:t>‹N›</a:t>
             </a:fld>
             <a:endParaRPr lang="en-US"/>
           </a:p>
@@ -4564,7 +4564,7 @@
           <a:p>
             <a:fld id="{21D15A9C-11B4-4C77-BDEA-04E3D7D1DFC0}" type="slidenum">
               <a:rPr lang="en-US" smtClean="0"/>
-              <a:t>‹#›</a:t>
+              <a:t>‹N›</a:t>
             </a:fld>
             <a:endParaRPr lang="en-US"/>
           </a:p>
@@ -4999,7 +4999,7 @@
           <a:p>
             <a:fld id="{21D15A9C-11B4-4C77-BDEA-04E3D7D1DFC0}" type="slidenum">
               <a:rPr lang="en-US" smtClean="0"/>
-              <a:t>‹#›</a:t>
+              <a:t>‹N›</a:t>
             </a:fld>
             <a:endParaRPr lang="en-US"/>
           </a:p>
@@ -5124,7 +5124,7 @@
           <a:p>
             <a:fld id="{21D15A9C-11B4-4C77-BDEA-04E3D7D1DFC0}" type="slidenum">
               <a:rPr lang="en-US" smtClean="0"/>
-              <a:t>‹#›</a:t>
+              <a:t>‹N›</a:t>
             </a:fld>
             <a:endParaRPr lang="en-US"/>
           </a:p>
@@ -5226,7 +5226,7 @@
           <a:p>
             <a:fld id="{21D15A9C-11B4-4C77-BDEA-04E3D7D1DFC0}" type="slidenum">
               <a:rPr lang="en-US" smtClean="0"/>
-              <a:t>‹#›</a:t>
+              <a:t>‹N›</a:t>
             </a:fld>
             <a:endParaRPr lang="en-US"/>
           </a:p>
@@ -5510,7 +5510,7 @@
           <a:p>
             <a:fld id="{21D15A9C-11B4-4C77-BDEA-04E3D7D1DFC0}" type="slidenum">
               <a:rPr lang="en-US" smtClean="0"/>
-              <a:t>‹#›</a:t>
+              <a:t>‹N›</a:t>
             </a:fld>
             <a:endParaRPr lang="en-US"/>
           </a:p>
@@ -5774,7 +5774,7 @@
           <a:p>
             <a:fld id="{21D15A9C-11B4-4C77-BDEA-04E3D7D1DFC0}" type="slidenum">
               <a:rPr lang="en-US" smtClean="0"/>
-              <a:t>‹#›</a:t>
+              <a:t>‹N›</a:t>
             </a:fld>
             <a:endParaRPr lang="en-US"/>
           </a:p>
@@ -5987,7 +5987,7 @@
             <a:fld id="{21D15A9C-11B4-4C77-BDEA-04E3D7D1DFC0}" type="slidenum">
               <a:rPr lang="en-US" smtClean="0"/>
               <a:pPr/>
-              <a:t>‹#›</a:t>
+              <a:t>‹N›</a:t>
             </a:fld>
             <a:endParaRPr lang="en-US" dirty="0"/>
           </a:p>
@@ -7039,27 +7039,13 @@
               <a:rPr lang="en-US" dirty="0">
                 <a:latin typeface="Calibri" pitchFamily="34" charset="0"/>
               </a:rPr>
-              <a:t>utors: Pierluigi Zama Ramirez - </a:t>
-            </a:r>
-            <a:r>
-              <a:rPr lang="en-US" dirty="0">
-                <a:latin typeface="Calibri" pitchFamily="34" charset="0"/>
-                <a:hlinkClick r:id="rId3"/>
-              </a:rPr>
-              <a:t>p</a:t>
-            </a:r>
-            <a:r>
-              <a:rPr lang="en-US" u="sng" dirty="0">
-                <a:latin typeface="Calibri" pitchFamily="34" charset="0"/>
-                <a:hlinkClick r:id="rId3"/>
-              </a:rPr>
-              <a:t>ierluigi.zama@unibo.it</a:t>
+              <a:t>utors: Andrea Amaduzzi – </a:t>
             </a:r>
             <a:r>
               <a:rPr lang="en-US" u="sng" dirty="0">
                 <a:latin typeface="Calibri" pitchFamily="34" charset="0"/>
               </a:rPr>
-              <a:t> </a:t>
+              <a:t>andrea.amaduzzi4@unibo.it</a:t>
             </a:r>
             <a:br>
               <a:rPr lang="en-US" u="sng" dirty="0">
@@ -7070,25 +7056,19 @@
               <a:rPr lang="en-US" dirty="0">
                 <a:latin typeface="Calibri" pitchFamily="34" charset="0"/>
               </a:rPr>
-              <a:t>Alex </a:t>
-            </a:r>
-            <a:r>
-              <a:rPr lang="en-US" dirty="0" err="1">
+              <a:t>Iacopo Curti </a:t>
+            </a:r>
+            <a:r>
+              <a:rPr lang="en-US">
                 <a:latin typeface="Calibri" pitchFamily="34" charset="0"/>
               </a:rPr>
-              <a:t>Costanzino</a:t>
-            </a:r>
-            <a:r>
-              <a:rPr lang="en-US" dirty="0">
+              <a:t>– </a:t>
+            </a:r>
+            <a:r>
+              <a:rPr lang="en-US" u="sng">
                 <a:latin typeface="Calibri" pitchFamily="34" charset="0"/>
               </a:rPr>
-              <a:t> – </a:t>
-            </a:r>
-            <a:r>
-              <a:rPr lang="en-US" u="sng" dirty="0" err="1">
-                <a:latin typeface="Calibri" pitchFamily="34" charset="0"/>
-              </a:rPr>
-              <a:t>alex.costanzino@unibo.it</a:t>
+              <a:t>iacopo.curti2@unibo.it</a:t>
             </a:r>
             <a:endParaRPr lang="en-US" u="sng" dirty="0">
               <a:latin typeface="Calibri" pitchFamily="34" charset="0"/>
